--- a/web/e22/uge_2a/Quiz-Uge2-Mandag.pptx
+++ b/web/e22/uge_2a/Quiz-Uge2-Mandag.pptx
@@ -5380,13 +5380,6 @@
               </a:rPr>
               <a:t>x = 1;</a:t>
             </a:r>
-            <a:endParaRPr lang="da-DK" b="1" spc="300" dirty="0" smtClean="0">
-              <a:solidFill>
-                <a:schemeClr val="tx1"/>
-              </a:solidFill>
-              <a:latin typeface="Courier New" panose="02070309020205020404" pitchFamily="49" charset="0"/>
-              <a:cs typeface="Courier New" panose="02070309020205020404" pitchFamily="49" charset="0"/>
-            </a:endParaRPr>
           </a:p>
           <a:p>
             <a:pPr eaLnBrk="1" hangingPunct="1">
@@ -5412,13 +5405,6 @@
               </a:rPr>
               <a:t>y = 2;</a:t>
             </a:r>
-            <a:endParaRPr lang="da-DK" b="1" spc="300" dirty="0" smtClean="0">
-              <a:solidFill>
-                <a:schemeClr val="tx1"/>
-              </a:solidFill>
-              <a:latin typeface="Courier New" panose="02070309020205020404" pitchFamily="49" charset="0"/>
-              <a:cs typeface="Courier New" panose="02070309020205020404" pitchFamily="49" charset="0"/>
-            </a:endParaRPr>
           </a:p>
           <a:p>
             <a:pPr eaLnBrk="1" hangingPunct="1">
@@ -5432,17 +5418,7 @@
                 <a:latin typeface="Courier New" panose="02070309020205020404" pitchFamily="49" charset="0"/>
                 <a:cs typeface="Courier New" panose="02070309020205020404" pitchFamily="49" charset="0"/>
               </a:rPr>
-              <a:t>x </a:t>
-            </a:r>
-            <a:r>
-              <a:rPr lang="da-DK" b="1" spc="300" dirty="0" smtClean="0">
-                <a:solidFill>
-                  <a:schemeClr val="tx1"/>
-                </a:solidFill>
-                <a:latin typeface="Courier New" panose="02070309020205020404" pitchFamily="49" charset="0"/>
-                <a:cs typeface="Courier New" panose="02070309020205020404" pitchFamily="49" charset="0"/>
-              </a:rPr>
-              <a:t>= </a:t>
+              <a:t>x = </a:t>
             </a:r>
             <a:r>
               <a:rPr lang="da-DK" b="1" spc="300" dirty="0" err="1" smtClean="0">
@@ -5597,7 +5573,7 @@
         </p:nvSpPr>
         <p:spPr bwMode="auto">
           <a:xfrm>
-            <a:off x="4076328" y="1988840"/>
+            <a:off x="4076328" y="2780928"/>
             <a:ext cx="764468" cy="400110"/>
           </a:xfrm>
           <a:prstGeom prst="rect">
@@ -5765,7 +5741,7 @@
         </p:nvSpPr>
         <p:spPr bwMode="auto">
           <a:xfrm>
-            <a:off x="4076328" y="2492896"/>
+            <a:off x="4076328" y="3284984"/>
             <a:ext cx="764468" cy="400110"/>
           </a:xfrm>
           <a:prstGeom prst="rect">
@@ -5929,7 +5905,7 @@
         </p:nvSpPr>
         <p:spPr bwMode="auto">
           <a:xfrm>
-            <a:off x="4868416" y="1988840"/>
+            <a:off x="4868416" y="2780928"/>
             <a:ext cx="360040" cy="400110"/>
           </a:xfrm>
           <a:prstGeom prst="rect">
@@ -6093,7 +6069,7 @@
         </p:nvSpPr>
         <p:spPr bwMode="auto">
           <a:xfrm>
-            <a:off x="4508376" y="1988840"/>
+            <a:off x="4508376" y="2780928"/>
             <a:ext cx="360040" cy="400110"/>
           </a:xfrm>
           <a:prstGeom prst="rect">
@@ -6266,7 +6242,7 @@
         </p:nvSpPr>
         <p:spPr bwMode="auto">
           <a:xfrm>
-            <a:off x="4868416" y="2492896"/>
+            <a:off x="4868416" y="3284984"/>
             <a:ext cx="360040" cy="400110"/>
           </a:xfrm>
           <a:prstGeom prst="rect">
@@ -6430,7 +6406,7 @@
         </p:nvSpPr>
         <p:spPr bwMode="auto">
           <a:xfrm>
-            <a:off x="4480756" y="2489857"/>
+            <a:off x="4480756" y="3281945"/>
             <a:ext cx="360040" cy="400110"/>
           </a:xfrm>
           <a:prstGeom prst="rect">
@@ -6603,7 +6579,7 @@
         </p:nvSpPr>
         <p:spPr bwMode="auto">
           <a:xfrm>
-            <a:off x="4880827" y="1997271"/>
+            <a:off x="4880827" y="2789359"/>
             <a:ext cx="360040" cy="400110"/>
           </a:xfrm>
           <a:prstGeom prst="rect">
@@ -6776,7 +6752,7 @@
         </p:nvSpPr>
         <p:spPr bwMode="auto">
           <a:xfrm>
-            <a:off x="5292080" y="2000274"/>
+            <a:off x="5292080" y="2792362"/>
             <a:ext cx="360040" cy="400110"/>
           </a:xfrm>
           <a:prstGeom prst="rect">
@@ -7093,6 +7069,245 @@
               <a:solidFill>
                 <a:srgbClr val="000066"/>
               </a:solidFill>
+            </a:endParaRPr>
+          </a:p>
+        </p:txBody>
+      </p:sp>
+      <p:sp>
+        <p:nvSpPr>
+          <p:cNvPr id="19" name="Rectangle 3"/>
+          <p:cNvSpPr txBox="1">
+            <a:spLocks noChangeArrowheads="1"/>
+          </p:cNvSpPr>
+          <p:nvPr/>
+        </p:nvSpPr>
+        <p:spPr bwMode="auto">
+          <a:xfrm>
+            <a:off x="4067944" y="1707633"/>
+            <a:ext cx="4112298" cy="815608"/>
+          </a:xfrm>
+          <a:prstGeom prst="rect">
+            <a:avLst/>
+          </a:prstGeom>
+          <a:solidFill>
+            <a:srgbClr val="DDF2FF"/>
+          </a:solidFill>
+          <a:ln w="28575">
+            <a:solidFill>
+              <a:srgbClr val="0000FF"/>
+            </a:solidFill>
+          </a:ln>
+          <a:extLst/>
+        </p:spPr>
+        <p:txBody>
+          <a:bodyPr vert="horz" wrap="square" lIns="91440" tIns="45720" rIns="91440" bIns="45720" numCol="1" anchor="t" anchorCtr="0" compatLnSpc="1">
+            <a:prstTxWarp prst="textNoShape">
+              <a:avLst/>
+            </a:prstTxWarp>
+            <a:spAutoFit/>
+          </a:bodyPr>
+          <a:lstStyle>
+            <a:lvl1pPr marL="0" indent="0" algn="ctr" rtl="0" eaLnBrk="0" fontAlgn="base" hangingPunct="0">
+              <a:spcBef>
+                <a:spcPct val="20000"/>
+              </a:spcBef>
+              <a:spcAft>
+                <a:spcPct val="0"/>
+              </a:spcAft>
+              <a:buNone/>
+              <a:defRPr sz="2400" b="1">
+                <a:solidFill>
+                  <a:srgbClr val="A50021"/>
+                </a:solidFill>
+                <a:latin typeface="+mn-lt"/>
+                <a:ea typeface="ＭＳ Ｐゴシック" pitchFamily="-107" charset="-128"/>
+                <a:cs typeface="ＭＳ Ｐゴシック" pitchFamily="-107" charset="-128"/>
+              </a:defRPr>
+            </a:lvl1pPr>
+            <a:lvl2pPr marL="457200" indent="0" algn="ctr" rtl="0" eaLnBrk="0" fontAlgn="base" hangingPunct="0">
+              <a:spcBef>
+                <a:spcPct val="20000"/>
+              </a:spcBef>
+              <a:spcAft>
+                <a:spcPct val="0"/>
+              </a:spcAft>
+              <a:buNone/>
+              <a:defRPr sz="2000">
+                <a:solidFill>
+                  <a:srgbClr val="000066"/>
+                </a:solidFill>
+                <a:latin typeface="+mn-lt"/>
+                <a:ea typeface="ＭＳ Ｐゴシック" charset="-128"/>
+              </a:defRPr>
+            </a:lvl2pPr>
+            <a:lvl3pPr marL="914400" indent="0" algn="ctr" rtl="0" eaLnBrk="0" fontAlgn="base" hangingPunct="0">
+              <a:spcBef>
+                <a:spcPct val="20000"/>
+              </a:spcBef>
+              <a:spcAft>
+                <a:spcPct val="0"/>
+              </a:spcAft>
+              <a:buNone/>
+              <a:defRPr sz="1600">
+                <a:solidFill>
+                  <a:schemeClr val="tx1"/>
+                </a:solidFill>
+                <a:latin typeface="+mn-lt"/>
+                <a:ea typeface="ＭＳ Ｐゴシック" charset="-128"/>
+              </a:defRPr>
+            </a:lvl3pPr>
+            <a:lvl4pPr marL="1371600" indent="0" algn="ctr" rtl="0" eaLnBrk="0" fontAlgn="base" hangingPunct="0">
+              <a:spcBef>
+                <a:spcPct val="20000"/>
+              </a:spcBef>
+              <a:spcAft>
+                <a:spcPct val="0"/>
+              </a:spcAft>
+              <a:buNone/>
+              <a:defRPr sz="1600">
+                <a:solidFill>
+                  <a:schemeClr val="tx1"/>
+                </a:solidFill>
+                <a:latin typeface="Times New Roman" charset="0"/>
+                <a:ea typeface="ＭＳ Ｐゴシック" charset="-128"/>
+              </a:defRPr>
+            </a:lvl4pPr>
+            <a:lvl5pPr marL="1828800" indent="0" algn="ctr" rtl="0" eaLnBrk="0" fontAlgn="base" hangingPunct="0">
+              <a:spcBef>
+                <a:spcPct val="20000"/>
+              </a:spcBef>
+              <a:spcAft>
+                <a:spcPct val="0"/>
+              </a:spcAft>
+              <a:buNone/>
+              <a:defRPr sz="1200">
+                <a:solidFill>
+                  <a:schemeClr val="tx1"/>
+                </a:solidFill>
+                <a:latin typeface="Times New Roman" charset="0"/>
+                <a:ea typeface="ＭＳ Ｐゴシック" charset="-128"/>
+              </a:defRPr>
+            </a:lvl5pPr>
+            <a:lvl6pPr marL="2286000" indent="0" algn="ctr" rtl="0" fontAlgn="base">
+              <a:spcBef>
+                <a:spcPct val="20000"/>
+              </a:spcBef>
+              <a:spcAft>
+                <a:spcPct val="0"/>
+              </a:spcAft>
+              <a:buNone/>
+              <a:defRPr sz="1200">
+                <a:solidFill>
+                  <a:schemeClr val="tx1"/>
+                </a:solidFill>
+                <a:latin typeface="Times New Roman" charset="0"/>
+                <a:ea typeface="ＭＳ Ｐゴシック" charset="-128"/>
+              </a:defRPr>
+            </a:lvl6pPr>
+            <a:lvl7pPr marL="2743200" indent="0" algn="ctr" rtl="0" fontAlgn="base">
+              <a:spcBef>
+                <a:spcPct val="20000"/>
+              </a:spcBef>
+              <a:spcAft>
+                <a:spcPct val="0"/>
+              </a:spcAft>
+              <a:buNone/>
+              <a:defRPr sz="1200">
+                <a:solidFill>
+                  <a:schemeClr val="tx1"/>
+                </a:solidFill>
+                <a:latin typeface="Times New Roman" charset="0"/>
+                <a:ea typeface="ＭＳ Ｐゴシック" charset="-128"/>
+              </a:defRPr>
+            </a:lvl7pPr>
+            <a:lvl8pPr marL="3200400" indent="0" algn="ctr" rtl="0" fontAlgn="base">
+              <a:spcBef>
+                <a:spcPct val="20000"/>
+              </a:spcBef>
+              <a:spcAft>
+                <a:spcPct val="0"/>
+              </a:spcAft>
+              <a:buNone/>
+              <a:defRPr sz="1200">
+                <a:solidFill>
+                  <a:schemeClr val="tx1"/>
+                </a:solidFill>
+                <a:latin typeface="Times New Roman" charset="0"/>
+                <a:ea typeface="ＭＳ Ｐゴシック" charset="-128"/>
+              </a:defRPr>
+            </a:lvl8pPr>
+            <a:lvl9pPr marL="3657600" indent="0" algn="ctr" rtl="0" fontAlgn="base">
+              <a:spcBef>
+                <a:spcPct val="20000"/>
+              </a:spcBef>
+              <a:spcAft>
+                <a:spcPct val="0"/>
+              </a:spcAft>
+              <a:buNone/>
+              <a:defRPr sz="1200">
+                <a:solidFill>
+                  <a:schemeClr val="tx1"/>
+                </a:solidFill>
+                <a:latin typeface="Times New Roman" charset="0"/>
+                <a:ea typeface="ＭＳ Ｐゴシック" charset="-128"/>
+              </a:defRPr>
+            </a:lvl9pPr>
+          </a:lstStyle>
+          <a:p>
+            <a:pPr algn="l" eaLnBrk="1" hangingPunct="1">
+              <a:spcBef>
+                <a:spcPts val="300"/>
+              </a:spcBef>
+            </a:pPr>
+            <a:r>
+              <a:rPr lang="da-DK" sz="1400" kern="0" dirty="0" smtClean="0">
+                <a:solidFill>
+                  <a:srgbClr val="0000FF"/>
+                </a:solidFill>
+              </a:rPr>
+              <a:t>I må gerne</a:t>
+            </a:r>
+          </a:p>
+          <a:p>
+            <a:pPr marL="182563" indent="-182563" algn="l" eaLnBrk="1" hangingPunct="1">
+              <a:spcBef>
+                <a:spcPts val="300"/>
+              </a:spcBef>
+              <a:buFont typeface="Arial" panose="020B0604020202020204" pitchFamily="34" charset="0"/>
+              <a:buChar char="•"/>
+            </a:pPr>
+            <a:r>
+              <a:rPr lang="da-DK" altLang="da-DK" sz="1400" kern="0" dirty="0" smtClean="0">
+                <a:solidFill>
+                  <a:srgbClr val="0000FF"/>
+                </a:solidFill>
+                <a:ea typeface="ＭＳ Ｐゴシック" pitchFamily="34" charset="-128"/>
+              </a:rPr>
+              <a:t>bruge papir og andre hjælpemidler</a:t>
+            </a:r>
+          </a:p>
+          <a:p>
+            <a:pPr marL="182563" indent="-182563" algn="l" eaLnBrk="1" hangingPunct="1">
+              <a:spcBef>
+                <a:spcPts val="300"/>
+              </a:spcBef>
+              <a:buFont typeface="Arial" panose="020B0604020202020204" pitchFamily="34" charset="0"/>
+              <a:buChar char="•"/>
+            </a:pPr>
+            <a:r>
+              <a:rPr lang="da-DK" altLang="da-DK" sz="1400" kern="0" dirty="0" smtClean="0">
+                <a:solidFill>
+                  <a:srgbClr val="0000FF"/>
+                </a:solidFill>
+                <a:ea typeface="ＭＳ Ｐゴシック" pitchFamily="34" charset="-128"/>
+              </a:rPr>
+              <a:t>snakke med den/dem, der sider ved siden af</a:t>
+            </a:r>
+            <a:endParaRPr lang="da-DK" altLang="da-DK" sz="1400" kern="0" dirty="0" smtClean="0">
+              <a:solidFill>
+                <a:srgbClr val="0000FF"/>
+              </a:solidFill>
+              <a:ea typeface="ＭＳ Ｐゴシック" pitchFamily="34" charset="-128"/>
             </a:endParaRPr>
           </a:p>
         </p:txBody>
@@ -8059,18 +8274,7 @@
                 <a:ea typeface="Courier" pitchFamily="-1" charset="0"/>
                 <a:cs typeface="Courier New" panose="02070309020205020404" pitchFamily="49" charset="0"/>
               </a:rPr>
-              <a:t>x </a:t>
-            </a:r>
-            <a:r>
-              <a:rPr lang="da-DK" b="1" spc="300" dirty="0" smtClean="0">
-                <a:solidFill>
-                  <a:schemeClr val="tx1"/>
-                </a:solidFill>
-                <a:latin typeface="Courier New" panose="02070309020205020404" pitchFamily="49" charset="0"/>
-                <a:ea typeface="Courier" pitchFamily="-1" charset="0"/>
-                <a:cs typeface="Courier New" panose="02070309020205020404" pitchFamily="49" charset="0"/>
-              </a:rPr>
-              <a:t>= </a:t>
+              <a:t>x = </a:t>
             </a:r>
             <a:r>
               <a:rPr lang="da-DK" b="1" spc="300" dirty="0" err="1" smtClean="0">
@@ -18577,13 +18781,6 @@
               </a:rPr>
               <a:t>x = 1;</a:t>
             </a:r>
-            <a:endParaRPr lang="da-DK" b="1" spc="300" dirty="0" smtClean="0">
-              <a:solidFill>
-                <a:schemeClr val="tx1"/>
-              </a:solidFill>
-              <a:latin typeface="Courier New" panose="02070309020205020404" pitchFamily="49" charset="0"/>
-              <a:cs typeface="Courier New" panose="02070309020205020404" pitchFamily="49" charset="0"/>
-            </a:endParaRPr>
           </a:p>
           <a:p>
             <a:pPr eaLnBrk="1" hangingPunct="1">
@@ -18609,13 +18806,6 @@
               </a:rPr>
               <a:t>y = 2;</a:t>
             </a:r>
-            <a:endParaRPr lang="da-DK" b="1" spc="300" dirty="0" smtClean="0">
-              <a:solidFill>
-                <a:schemeClr val="tx1"/>
-              </a:solidFill>
-              <a:latin typeface="Courier New" panose="02070309020205020404" pitchFamily="49" charset="0"/>
-              <a:cs typeface="Courier New" panose="02070309020205020404" pitchFamily="49" charset="0"/>
-            </a:endParaRPr>
           </a:p>
           <a:p>
             <a:pPr eaLnBrk="1" hangingPunct="1">
@@ -18679,17 +18869,7 @@
                 <a:latin typeface="Courier New" panose="02070309020205020404" pitchFamily="49" charset="0"/>
                 <a:cs typeface="Courier New" panose="02070309020205020404" pitchFamily="49" charset="0"/>
               </a:rPr>
-              <a:t>y-1) </a:t>
-            </a:r>
-            <a:r>
-              <a:rPr lang="da-DK" b="1" spc="300" dirty="0" smtClean="0">
-                <a:solidFill>
-                  <a:schemeClr val="tx1"/>
-                </a:solidFill>
-                <a:latin typeface="Courier New" panose="02070309020205020404" pitchFamily="49" charset="0"/>
-                <a:cs typeface="Courier New" panose="02070309020205020404" pitchFamily="49" charset="0"/>
-              </a:rPr>
-              <a:t>{</a:t>
+              <a:t>y-1) {</a:t>
             </a:r>
           </a:p>
           <a:p>
@@ -21348,13 +21528,6 @@
               </a:rPr>
               <a:t>x = 1;</a:t>
             </a:r>
-            <a:endParaRPr lang="da-DK" b="1" spc="300" dirty="0" smtClean="0">
-              <a:solidFill>
-                <a:schemeClr val="tx1"/>
-              </a:solidFill>
-              <a:latin typeface="Courier New" panose="02070309020205020404" pitchFamily="49" charset="0"/>
-              <a:cs typeface="Courier New" panose="02070309020205020404" pitchFamily="49" charset="0"/>
-            </a:endParaRPr>
           </a:p>
           <a:p>
             <a:pPr eaLnBrk="1" hangingPunct="1">
@@ -21380,13 +21553,6 @@
               </a:rPr>
               <a:t>y = -1;</a:t>
             </a:r>
-            <a:endParaRPr lang="da-DK" b="1" spc="300" dirty="0" smtClean="0">
-              <a:solidFill>
-                <a:schemeClr val="tx1"/>
-              </a:solidFill>
-              <a:latin typeface="Courier New" panose="02070309020205020404" pitchFamily="49" charset="0"/>
-              <a:cs typeface="Courier New" panose="02070309020205020404" pitchFamily="49" charset="0"/>
-            </a:endParaRPr>
           </a:p>
           <a:p>
             <a:pPr eaLnBrk="1" hangingPunct="1">
@@ -23424,6 +23590,263 @@
           </p:spPr>
         </p:cxnSp>
       </p:grpSp>
+      <p:sp>
+        <p:nvSpPr>
+          <p:cNvPr id="22" name="Rectangle 3"/>
+          <p:cNvSpPr txBox="1">
+            <a:spLocks noChangeArrowheads="1"/>
+          </p:cNvSpPr>
+          <p:nvPr/>
+        </p:nvSpPr>
+        <p:spPr bwMode="auto">
+          <a:xfrm>
+            <a:off x="4590662" y="4545862"/>
+            <a:ext cx="4064424" cy="1461939"/>
+          </a:xfrm>
+          <a:prstGeom prst="rect">
+            <a:avLst/>
+          </a:prstGeom>
+          <a:solidFill>
+            <a:srgbClr val="DDF2FF"/>
+          </a:solidFill>
+          <a:ln w="28575">
+            <a:solidFill>
+              <a:srgbClr val="0000FF"/>
+            </a:solidFill>
+          </a:ln>
+          <a:extLst/>
+        </p:spPr>
+        <p:txBody>
+          <a:bodyPr vert="horz" wrap="square" lIns="91440" tIns="45720" rIns="91440" bIns="45720" numCol="1" anchor="t" anchorCtr="0" compatLnSpc="1">
+            <a:prstTxWarp prst="textNoShape">
+              <a:avLst/>
+            </a:prstTxWarp>
+            <a:spAutoFit/>
+          </a:bodyPr>
+          <a:lstStyle>
+            <a:lvl1pPr marL="0" indent="0" algn="ctr" rtl="0" eaLnBrk="0" fontAlgn="base" hangingPunct="0">
+              <a:spcBef>
+                <a:spcPct val="20000"/>
+              </a:spcBef>
+              <a:spcAft>
+                <a:spcPct val="0"/>
+              </a:spcAft>
+              <a:buNone/>
+              <a:defRPr sz="2400" b="1">
+                <a:solidFill>
+                  <a:srgbClr val="A50021"/>
+                </a:solidFill>
+                <a:latin typeface="+mn-lt"/>
+                <a:ea typeface="ＭＳ Ｐゴシック" pitchFamily="-107" charset="-128"/>
+                <a:cs typeface="ＭＳ Ｐゴシック" pitchFamily="-107" charset="-128"/>
+              </a:defRPr>
+            </a:lvl1pPr>
+            <a:lvl2pPr marL="457200" indent="0" algn="ctr" rtl="0" eaLnBrk="0" fontAlgn="base" hangingPunct="0">
+              <a:spcBef>
+                <a:spcPct val="20000"/>
+              </a:spcBef>
+              <a:spcAft>
+                <a:spcPct val="0"/>
+              </a:spcAft>
+              <a:buNone/>
+              <a:defRPr sz="2000">
+                <a:solidFill>
+                  <a:srgbClr val="000066"/>
+                </a:solidFill>
+                <a:latin typeface="+mn-lt"/>
+                <a:ea typeface="ＭＳ Ｐゴシック" charset="-128"/>
+              </a:defRPr>
+            </a:lvl2pPr>
+            <a:lvl3pPr marL="914400" indent="0" algn="ctr" rtl="0" eaLnBrk="0" fontAlgn="base" hangingPunct="0">
+              <a:spcBef>
+                <a:spcPct val="20000"/>
+              </a:spcBef>
+              <a:spcAft>
+                <a:spcPct val="0"/>
+              </a:spcAft>
+              <a:buNone/>
+              <a:defRPr sz="1600">
+                <a:solidFill>
+                  <a:schemeClr val="tx1"/>
+                </a:solidFill>
+                <a:latin typeface="+mn-lt"/>
+                <a:ea typeface="ＭＳ Ｐゴシック" charset="-128"/>
+              </a:defRPr>
+            </a:lvl3pPr>
+            <a:lvl4pPr marL="1371600" indent="0" algn="ctr" rtl="0" eaLnBrk="0" fontAlgn="base" hangingPunct="0">
+              <a:spcBef>
+                <a:spcPct val="20000"/>
+              </a:spcBef>
+              <a:spcAft>
+                <a:spcPct val="0"/>
+              </a:spcAft>
+              <a:buNone/>
+              <a:defRPr sz="1600">
+                <a:solidFill>
+                  <a:schemeClr val="tx1"/>
+                </a:solidFill>
+                <a:latin typeface="Times New Roman" charset="0"/>
+                <a:ea typeface="ＭＳ Ｐゴシック" charset="-128"/>
+              </a:defRPr>
+            </a:lvl4pPr>
+            <a:lvl5pPr marL="1828800" indent="0" algn="ctr" rtl="0" eaLnBrk="0" fontAlgn="base" hangingPunct="0">
+              <a:spcBef>
+                <a:spcPct val="20000"/>
+              </a:spcBef>
+              <a:spcAft>
+                <a:spcPct val="0"/>
+              </a:spcAft>
+              <a:buNone/>
+              <a:defRPr sz="1200">
+                <a:solidFill>
+                  <a:schemeClr val="tx1"/>
+                </a:solidFill>
+                <a:latin typeface="Times New Roman" charset="0"/>
+                <a:ea typeface="ＭＳ Ｐゴシック" charset="-128"/>
+              </a:defRPr>
+            </a:lvl5pPr>
+            <a:lvl6pPr marL="2286000" indent="0" algn="ctr" rtl="0" fontAlgn="base">
+              <a:spcBef>
+                <a:spcPct val="20000"/>
+              </a:spcBef>
+              <a:spcAft>
+                <a:spcPct val="0"/>
+              </a:spcAft>
+              <a:buNone/>
+              <a:defRPr sz="1200">
+                <a:solidFill>
+                  <a:schemeClr val="tx1"/>
+                </a:solidFill>
+                <a:latin typeface="Times New Roman" charset="0"/>
+                <a:ea typeface="ＭＳ Ｐゴシック" charset="-128"/>
+              </a:defRPr>
+            </a:lvl6pPr>
+            <a:lvl7pPr marL="2743200" indent="0" algn="ctr" rtl="0" fontAlgn="base">
+              <a:spcBef>
+                <a:spcPct val="20000"/>
+              </a:spcBef>
+              <a:spcAft>
+                <a:spcPct val="0"/>
+              </a:spcAft>
+              <a:buNone/>
+              <a:defRPr sz="1200">
+                <a:solidFill>
+                  <a:schemeClr val="tx1"/>
+                </a:solidFill>
+                <a:latin typeface="Times New Roman" charset="0"/>
+                <a:ea typeface="ＭＳ Ｐゴシック" charset="-128"/>
+              </a:defRPr>
+            </a:lvl7pPr>
+            <a:lvl8pPr marL="3200400" indent="0" algn="ctr" rtl="0" fontAlgn="base">
+              <a:spcBef>
+                <a:spcPct val="20000"/>
+              </a:spcBef>
+              <a:spcAft>
+                <a:spcPct val="0"/>
+              </a:spcAft>
+              <a:buNone/>
+              <a:defRPr sz="1200">
+                <a:solidFill>
+                  <a:schemeClr val="tx1"/>
+                </a:solidFill>
+                <a:latin typeface="Times New Roman" charset="0"/>
+                <a:ea typeface="ＭＳ Ｐゴシック" charset="-128"/>
+              </a:defRPr>
+            </a:lvl8pPr>
+            <a:lvl9pPr marL="3657600" indent="0" algn="ctr" rtl="0" fontAlgn="base">
+              <a:spcBef>
+                <a:spcPct val="20000"/>
+              </a:spcBef>
+              <a:spcAft>
+                <a:spcPct val="0"/>
+              </a:spcAft>
+              <a:buNone/>
+              <a:defRPr sz="1200">
+                <a:solidFill>
+                  <a:schemeClr val="tx1"/>
+                </a:solidFill>
+                <a:latin typeface="Times New Roman" charset="0"/>
+                <a:ea typeface="ＭＳ Ｐゴシック" charset="-128"/>
+              </a:defRPr>
+            </a:lvl9pPr>
+          </a:lstStyle>
+          <a:p>
+            <a:pPr algn="l" eaLnBrk="1" hangingPunct="1">
+              <a:spcBef>
+                <a:spcPts val="300"/>
+              </a:spcBef>
+            </a:pPr>
+            <a:r>
+              <a:rPr lang="da-DK" sz="1400" kern="0" dirty="0" smtClean="0">
+                <a:solidFill>
+                  <a:srgbClr val="0000FF"/>
+                </a:solidFill>
+              </a:rPr>
+              <a:t>Er det ikke lidt noget pjat, at I skal kunne lave den slags beregninger</a:t>
+            </a:r>
+          </a:p>
+          <a:p>
+            <a:pPr marL="182563" indent="-182563" algn="l" eaLnBrk="1" hangingPunct="1">
+              <a:spcBef>
+                <a:spcPts val="300"/>
+              </a:spcBef>
+              <a:buFont typeface="Arial" panose="020B0604020202020204" pitchFamily="34" charset="0"/>
+              <a:buChar char="•"/>
+            </a:pPr>
+            <a:r>
+              <a:rPr lang="da-DK" altLang="da-DK" sz="1400" kern="0" dirty="0" smtClean="0">
+                <a:solidFill>
+                  <a:srgbClr val="0000FF"/>
+                </a:solidFill>
+                <a:ea typeface="ＭＳ Ｐゴシック" pitchFamily="34" charset="-128"/>
+              </a:rPr>
+              <a:t>Nej det er det ikke</a:t>
+            </a:r>
+          </a:p>
+          <a:p>
+            <a:pPr marL="182563" indent="-182563" algn="l" eaLnBrk="1" hangingPunct="1">
+              <a:spcBef>
+                <a:spcPts val="300"/>
+              </a:spcBef>
+              <a:buFont typeface="Arial" panose="020B0604020202020204" pitchFamily="34" charset="0"/>
+              <a:buChar char="•"/>
+            </a:pPr>
+            <a:r>
+              <a:rPr lang="da-DK" altLang="da-DK" sz="1400" kern="0" dirty="0" smtClean="0">
+                <a:solidFill>
+                  <a:srgbClr val="0000FF"/>
+                </a:solidFill>
+                <a:ea typeface="ＭＳ Ｐゴシック" pitchFamily="34" charset="-128"/>
+              </a:rPr>
+              <a:t>Det er præcis sådan man gør, når man skal </a:t>
+            </a:r>
+            <a:r>
+              <a:rPr lang="da-DK" altLang="da-DK" sz="1400" kern="0" dirty="0" err="1" smtClean="0">
+                <a:solidFill>
+                  <a:srgbClr val="0000FF"/>
+                </a:solidFill>
+                <a:ea typeface="ＭＳ Ｐゴシック" pitchFamily="34" charset="-128"/>
+              </a:rPr>
+              <a:t>debugge</a:t>
+            </a:r>
+            <a:r>
+              <a:rPr lang="da-DK" altLang="da-DK" sz="1400" kern="0" dirty="0" smtClean="0">
+                <a:solidFill>
+                  <a:srgbClr val="0000FF"/>
+                </a:solidFill>
+                <a:ea typeface="ＭＳ Ｐゴシック" pitchFamily="34" charset="-128"/>
+              </a:rPr>
+              <a:t> et stykke kode, altså finde ud af hvorfor det ikke virker</a:t>
+            </a:r>
+            <a:endParaRPr lang="da-DK" altLang="da-DK" sz="1400" kern="0" dirty="0" smtClean="0">
+              <a:solidFill>
+                <a:srgbClr val="0000FF"/>
+              </a:solidFill>
+              <a:ea typeface="ＭＳ Ｐゴシック" pitchFamily="34" charset="-128"/>
+            </a:endParaRPr>
+          </a:p>
+        </p:txBody>
+      </p:sp>
     </p:spTree>
     <p:extLst>
       <p:ext uri="{BB962C8B-B14F-4D97-AF65-F5344CB8AC3E}">
@@ -23796,6 +24219,33 @@
                                   </p:childTnLst>
                                 </p:cTn>
                               </p:par>
+                              <p:par>
+                                <p:cTn id="33" presetID="1" presetClass="entr" presetSubtype="0" fill="hold" grpId="0" nodeType="withEffect">
+                                  <p:stCondLst>
+                                    <p:cond delay="0"/>
+                                  </p:stCondLst>
+                                  <p:childTnLst>
+                                    <p:set>
+                                      <p:cBhvr>
+                                        <p:cTn id="34" dur="1" fill="hold">
+                                          <p:stCondLst>
+                                            <p:cond delay="0"/>
+                                          </p:stCondLst>
+                                        </p:cTn>
+                                        <p:tgtEl>
+                                          <p:spTgt spid="22"/>
+                                        </p:tgtEl>
+                                        <p:attrNameLst>
+                                          <p:attrName>style.visibility</p:attrName>
+                                        </p:attrNameLst>
+                                      </p:cBhvr>
+                                      <p:to>
+                                        <p:strVal val="visible"/>
+                                      </p:to>
+                                    </p:set>
+                                  </p:childTnLst>
+                                </p:cTn>
+                              </p:par>
                             </p:childTnLst>
                           </p:cTn>
                         </p:par>
@@ -23833,6 +24283,7 @@
       <p:bldP spid="14" grpId="0"/>
       <p:bldP spid="15" grpId="0"/>
       <p:bldP spid="17" grpId="0" animBg="1"/>
+      <p:bldP spid="22" grpId="0" animBg="1"/>
     </p:bldLst>
   </p:timing>
 </p:sld>
@@ -24207,13 +24658,6 @@
               </a:rPr>
               <a:t>x = 1;</a:t>
             </a:r>
-            <a:endParaRPr lang="da-DK" b="1" spc="300" dirty="0" smtClean="0">
-              <a:solidFill>
-                <a:schemeClr val="tx1"/>
-              </a:solidFill>
-              <a:latin typeface="Courier New" panose="02070309020205020404" pitchFamily="49" charset="0"/>
-              <a:cs typeface="Courier New" panose="02070309020205020404" pitchFamily="49" charset="0"/>
-            </a:endParaRPr>
           </a:p>
           <a:p>
             <a:pPr eaLnBrk="1" hangingPunct="1">
@@ -24242,13 +24686,6 @@
               </a:rPr>
               <a:t>y = 3;</a:t>
             </a:r>
-            <a:endParaRPr lang="da-DK" b="1" spc="300" dirty="0" smtClean="0">
-              <a:solidFill>
-                <a:schemeClr val="tx1"/>
-              </a:solidFill>
-              <a:latin typeface="Courier New" panose="02070309020205020404" pitchFamily="49" charset="0"/>
-              <a:cs typeface="Courier New" panose="02070309020205020404" pitchFamily="49" charset="0"/>
-            </a:endParaRPr>
           </a:p>
           <a:p>
             <a:pPr eaLnBrk="1" hangingPunct="1">
@@ -24275,17 +24712,7 @@
                 <a:latin typeface="Courier New" panose="02070309020205020404" pitchFamily="49" charset="0"/>
                 <a:cs typeface="Courier New" panose="02070309020205020404" pitchFamily="49" charset="0"/>
               </a:rPr>
-              <a:t>(x </a:t>
-            </a:r>
-            <a:r>
-              <a:rPr lang="da-DK" b="1" spc="300" dirty="0" smtClean="0">
-                <a:solidFill>
-                  <a:schemeClr val="tx1"/>
-                </a:solidFill>
-                <a:latin typeface="Courier New" panose="02070309020205020404" pitchFamily="49" charset="0"/>
-                <a:cs typeface="Courier New" panose="02070309020205020404" pitchFamily="49" charset="0"/>
-              </a:rPr>
-              <a:t>&gt;</a:t>
+              <a:t>(x &gt;</a:t>
             </a:r>
             <a:r>
               <a:rPr lang="da-DK" sz="800" b="1" spc="300" dirty="0" smtClean="0">
@@ -27818,13 +28245,6 @@
               </a:rPr>
               <a:t>;</a:t>
             </a:r>
-            <a:endParaRPr lang="da-DK" b="1" spc="300" dirty="0" smtClean="0">
-              <a:solidFill>
-                <a:schemeClr val="tx1"/>
-              </a:solidFill>
-              <a:latin typeface="Courier New" panose="02070309020205020404" pitchFamily="49" charset="0"/>
-              <a:cs typeface="Courier New" panose="02070309020205020404" pitchFamily="49" charset="0"/>
-            </a:endParaRPr>
           </a:p>
           <a:p>
             <a:pPr eaLnBrk="1" hangingPunct="1">
@@ -27870,13 +28290,6 @@
               </a:rPr>
               <a:t>;</a:t>
             </a:r>
-            <a:endParaRPr lang="da-DK" b="1" spc="300" dirty="0" smtClean="0">
-              <a:solidFill>
-                <a:schemeClr val="tx1"/>
-              </a:solidFill>
-              <a:latin typeface="Courier New" panose="02070309020205020404" pitchFamily="49" charset="0"/>
-              <a:cs typeface="Courier New" panose="02070309020205020404" pitchFamily="49" charset="0"/>
-            </a:endParaRPr>
           </a:p>
           <a:p>
             <a:pPr eaLnBrk="1" hangingPunct="1">
@@ -27900,17 +28313,7 @@
                 <a:latin typeface="Courier New" panose="02070309020205020404" pitchFamily="49" charset="0"/>
                 <a:cs typeface="Courier New" panose="02070309020205020404" pitchFamily="49" charset="0"/>
               </a:rPr>
-              <a:t>(x </a:t>
-            </a:r>
-            <a:r>
-              <a:rPr lang="da-DK" b="1" spc="300" dirty="0" smtClean="0">
-                <a:solidFill>
-                  <a:schemeClr val="tx1"/>
-                </a:solidFill>
-                <a:latin typeface="Courier New" panose="02070309020205020404" pitchFamily="49" charset="0"/>
-                <a:cs typeface="Courier New" panose="02070309020205020404" pitchFamily="49" charset="0"/>
-              </a:rPr>
-              <a:t>!= y) {</a:t>
+              <a:t>(x != y) {</a:t>
             </a:r>
           </a:p>
           <a:p>
@@ -30479,13 +30882,6 @@
               </a:rPr>
               <a:t>;</a:t>
             </a:r>
-            <a:endParaRPr lang="da-DK" b="1" spc="300" dirty="0" smtClean="0">
-              <a:solidFill>
-                <a:schemeClr val="tx1"/>
-              </a:solidFill>
-              <a:latin typeface="Courier New" panose="02070309020205020404" pitchFamily="49" charset="0"/>
-              <a:cs typeface="Courier New" panose="02070309020205020404" pitchFamily="49" charset="0"/>
-            </a:endParaRPr>
           </a:p>
           <a:p>
             <a:pPr eaLnBrk="1" hangingPunct="1">
@@ -30531,13 +30927,6 @@
               </a:rPr>
               <a:t>;</a:t>
             </a:r>
-            <a:endParaRPr lang="da-DK" b="1" spc="300" dirty="0" smtClean="0">
-              <a:solidFill>
-                <a:schemeClr val="tx1"/>
-              </a:solidFill>
-              <a:latin typeface="Courier New" panose="02070309020205020404" pitchFamily="49" charset="0"/>
-              <a:cs typeface="Courier New" panose="02070309020205020404" pitchFamily="49" charset="0"/>
-            </a:endParaRPr>
           </a:p>
           <a:p>
             <a:pPr eaLnBrk="1" hangingPunct="1">
@@ -30561,17 +30950,7 @@
                 <a:latin typeface="Courier New" panose="02070309020205020404" pitchFamily="49" charset="0"/>
                 <a:cs typeface="Courier New" panose="02070309020205020404" pitchFamily="49" charset="0"/>
               </a:rPr>
-              <a:t>(x </a:t>
-            </a:r>
-            <a:r>
-              <a:rPr lang="da-DK" b="1" spc="300" dirty="0" smtClean="0">
-                <a:solidFill>
-                  <a:schemeClr val="tx1"/>
-                </a:solidFill>
-                <a:latin typeface="Courier New" panose="02070309020205020404" pitchFamily="49" charset="0"/>
-                <a:cs typeface="Courier New" panose="02070309020205020404" pitchFamily="49" charset="0"/>
-              </a:rPr>
-              <a:t>= y) {</a:t>
+              <a:t>(x = y) {</a:t>
             </a:r>
           </a:p>
           <a:p>
@@ -30941,7 +31320,7 @@
         </p:nvSpPr>
         <p:spPr bwMode="auto">
           <a:xfrm>
-            <a:off x="5240850" y="1848396"/>
+            <a:off x="5240850" y="2684219"/>
             <a:ext cx="1271244" cy="400110"/>
           </a:xfrm>
           <a:prstGeom prst="rect">
@@ -31109,7 +31488,7 @@
         </p:nvSpPr>
         <p:spPr bwMode="auto">
           <a:xfrm>
-            <a:off x="5240850" y="2280444"/>
+            <a:off x="5240850" y="3116267"/>
             <a:ext cx="1068956" cy="400110"/>
           </a:xfrm>
           <a:prstGeom prst="rect">
@@ -31273,7 +31652,7 @@
         </p:nvSpPr>
         <p:spPr bwMode="auto">
           <a:xfrm>
-            <a:off x="5251696" y="2801650"/>
+            <a:off x="5251696" y="3637473"/>
             <a:ext cx="1706182" cy="400110"/>
           </a:xfrm>
           <a:prstGeom prst="rect">
@@ -31668,7 +32047,7 @@
         </p:nvSpPr>
         <p:spPr bwMode="auto">
           <a:xfrm>
-            <a:off x="6347673" y="2263924"/>
+            <a:off x="6347673" y="3099747"/>
             <a:ext cx="720080" cy="400110"/>
           </a:xfrm>
           <a:prstGeom prst="rect">
@@ -31832,7 +32211,7 @@
         </p:nvSpPr>
         <p:spPr bwMode="auto">
           <a:xfrm>
-            <a:off x="5652513" y="2281347"/>
+            <a:off x="5652513" y="3117170"/>
             <a:ext cx="725109" cy="400110"/>
           </a:xfrm>
           <a:prstGeom prst="rect">
@@ -32000,7 +32379,7 @@
         </p:nvSpPr>
         <p:spPr bwMode="auto">
           <a:xfrm>
-            <a:off x="6660232" y="2801650"/>
+            <a:off x="6660232" y="3637473"/>
             <a:ext cx="2144428" cy="1015663"/>
           </a:xfrm>
           <a:prstGeom prst="rect">
@@ -32172,13 +32551,8 @@
             </a:r>
             <a:r>
               <a:rPr lang="da-DK" altLang="da-DK" dirty="0" smtClean="0"/>
-              <a:t> </a:t>
-            </a:r>
-            <a:r>
-              <a:rPr lang="da-DK" altLang="da-DK" dirty="0" smtClean="0"/>
-              <a:t>værdi</a:t>
-            </a:r>
-            <a:endParaRPr lang="da-DK" altLang="da-DK" dirty="0" smtClean="0"/>
+              <a:t> værdi</a:t>
+            </a:r>
           </a:p>
         </p:txBody>
       </p:sp>
@@ -32192,7 +32566,7 @@
         </p:nvSpPr>
         <p:spPr bwMode="auto">
           <a:xfrm>
-            <a:off x="6355293" y="1844824"/>
+            <a:off x="6355293" y="2680647"/>
             <a:ext cx="720080" cy="400110"/>
           </a:xfrm>
           <a:prstGeom prst="rect">
@@ -32356,7 +32730,7 @@
         </p:nvSpPr>
         <p:spPr bwMode="auto">
           <a:xfrm>
-            <a:off x="5660133" y="1862247"/>
+            <a:off x="5660133" y="2698070"/>
             <a:ext cx="725109" cy="400110"/>
           </a:xfrm>
           <a:prstGeom prst="rect">
@@ -32524,7 +32898,7 @@
         </p:nvSpPr>
         <p:spPr bwMode="auto">
           <a:xfrm>
-            <a:off x="5249295" y="3221474"/>
+            <a:off x="5249295" y="4057297"/>
             <a:ext cx="1312314" cy="400110"/>
           </a:xfrm>
           <a:prstGeom prst="rect">
@@ -32679,6 +33053,236 @@
               </a:rPr>
               <a:t>true</a:t>
             </a:r>
+          </a:p>
+        </p:txBody>
+      </p:sp>
+      <p:sp>
+        <p:nvSpPr>
+          <p:cNvPr id="21" name="Rectangle 3"/>
+          <p:cNvSpPr txBox="1">
+            <a:spLocks noChangeArrowheads="1"/>
+          </p:cNvSpPr>
+          <p:nvPr/>
+        </p:nvSpPr>
+        <p:spPr bwMode="auto">
+          <a:xfrm>
+            <a:off x="5293840" y="1707576"/>
+            <a:ext cx="2732784" cy="561692"/>
+          </a:xfrm>
+          <a:prstGeom prst="rect">
+            <a:avLst/>
+          </a:prstGeom>
+          <a:solidFill>
+            <a:srgbClr val="DDF2FF"/>
+          </a:solidFill>
+          <a:ln w="28575">
+            <a:solidFill>
+              <a:srgbClr val="0000FF"/>
+            </a:solidFill>
+          </a:ln>
+          <a:extLst/>
+        </p:spPr>
+        <p:txBody>
+          <a:bodyPr vert="horz" wrap="square" lIns="91440" tIns="45720" rIns="91440" bIns="45720" numCol="1" anchor="t" anchorCtr="0" compatLnSpc="1">
+            <a:prstTxWarp prst="textNoShape">
+              <a:avLst/>
+            </a:prstTxWarp>
+            <a:spAutoFit/>
+          </a:bodyPr>
+          <a:lstStyle>
+            <a:lvl1pPr marL="0" indent="0" algn="ctr" rtl="0" eaLnBrk="0" fontAlgn="base" hangingPunct="0">
+              <a:spcBef>
+                <a:spcPct val="20000"/>
+              </a:spcBef>
+              <a:spcAft>
+                <a:spcPct val="0"/>
+              </a:spcAft>
+              <a:buNone/>
+              <a:defRPr sz="2400" b="1">
+                <a:solidFill>
+                  <a:srgbClr val="A50021"/>
+                </a:solidFill>
+                <a:latin typeface="+mn-lt"/>
+                <a:ea typeface="ＭＳ Ｐゴシック" pitchFamily="-107" charset="-128"/>
+                <a:cs typeface="ＭＳ Ｐゴシック" pitchFamily="-107" charset="-128"/>
+              </a:defRPr>
+            </a:lvl1pPr>
+            <a:lvl2pPr marL="457200" indent="0" algn="ctr" rtl="0" eaLnBrk="0" fontAlgn="base" hangingPunct="0">
+              <a:spcBef>
+                <a:spcPct val="20000"/>
+              </a:spcBef>
+              <a:spcAft>
+                <a:spcPct val="0"/>
+              </a:spcAft>
+              <a:buNone/>
+              <a:defRPr sz="2000">
+                <a:solidFill>
+                  <a:srgbClr val="000066"/>
+                </a:solidFill>
+                <a:latin typeface="+mn-lt"/>
+                <a:ea typeface="ＭＳ Ｐゴシック" charset="-128"/>
+              </a:defRPr>
+            </a:lvl2pPr>
+            <a:lvl3pPr marL="914400" indent="0" algn="ctr" rtl="0" eaLnBrk="0" fontAlgn="base" hangingPunct="0">
+              <a:spcBef>
+                <a:spcPct val="20000"/>
+              </a:spcBef>
+              <a:spcAft>
+                <a:spcPct val="0"/>
+              </a:spcAft>
+              <a:buNone/>
+              <a:defRPr sz="1600">
+                <a:solidFill>
+                  <a:schemeClr val="tx1"/>
+                </a:solidFill>
+                <a:latin typeface="+mn-lt"/>
+                <a:ea typeface="ＭＳ Ｐゴシック" charset="-128"/>
+              </a:defRPr>
+            </a:lvl3pPr>
+            <a:lvl4pPr marL="1371600" indent="0" algn="ctr" rtl="0" eaLnBrk="0" fontAlgn="base" hangingPunct="0">
+              <a:spcBef>
+                <a:spcPct val="20000"/>
+              </a:spcBef>
+              <a:spcAft>
+                <a:spcPct val="0"/>
+              </a:spcAft>
+              <a:buNone/>
+              <a:defRPr sz="1600">
+                <a:solidFill>
+                  <a:schemeClr val="tx1"/>
+                </a:solidFill>
+                <a:latin typeface="Times New Roman" charset="0"/>
+                <a:ea typeface="ＭＳ Ｐゴシック" charset="-128"/>
+              </a:defRPr>
+            </a:lvl4pPr>
+            <a:lvl5pPr marL="1828800" indent="0" algn="ctr" rtl="0" eaLnBrk="0" fontAlgn="base" hangingPunct="0">
+              <a:spcBef>
+                <a:spcPct val="20000"/>
+              </a:spcBef>
+              <a:spcAft>
+                <a:spcPct val="0"/>
+              </a:spcAft>
+              <a:buNone/>
+              <a:defRPr sz="1200">
+                <a:solidFill>
+                  <a:schemeClr val="tx1"/>
+                </a:solidFill>
+                <a:latin typeface="Times New Roman" charset="0"/>
+                <a:ea typeface="ＭＳ Ｐゴシック" charset="-128"/>
+              </a:defRPr>
+            </a:lvl5pPr>
+            <a:lvl6pPr marL="2286000" indent="0" algn="ctr" rtl="0" fontAlgn="base">
+              <a:spcBef>
+                <a:spcPct val="20000"/>
+              </a:spcBef>
+              <a:spcAft>
+                <a:spcPct val="0"/>
+              </a:spcAft>
+              <a:buNone/>
+              <a:defRPr sz="1200">
+                <a:solidFill>
+                  <a:schemeClr val="tx1"/>
+                </a:solidFill>
+                <a:latin typeface="Times New Roman" charset="0"/>
+                <a:ea typeface="ＭＳ Ｐゴシック" charset="-128"/>
+              </a:defRPr>
+            </a:lvl6pPr>
+            <a:lvl7pPr marL="2743200" indent="0" algn="ctr" rtl="0" fontAlgn="base">
+              <a:spcBef>
+                <a:spcPct val="20000"/>
+              </a:spcBef>
+              <a:spcAft>
+                <a:spcPct val="0"/>
+              </a:spcAft>
+              <a:buNone/>
+              <a:defRPr sz="1200">
+                <a:solidFill>
+                  <a:schemeClr val="tx1"/>
+                </a:solidFill>
+                <a:latin typeface="Times New Roman" charset="0"/>
+                <a:ea typeface="ＭＳ Ｐゴシック" charset="-128"/>
+              </a:defRPr>
+            </a:lvl7pPr>
+            <a:lvl8pPr marL="3200400" indent="0" algn="ctr" rtl="0" fontAlgn="base">
+              <a:spcBef>
+                <a:spcPct val="20000"/>
+              </a:spcBef>
+              <a:spcAft>
+                <a:spcPct val="0"/>
+              </a:spcAft>
+              <a:buNone/>
+              <a:defRPr sz="1200">
+                <a:solidFill>
+                  <a:schemeClr val="tx1"/>
+                </a:solidFill>
+                <a:latin typeface="Times New Roman" charset="0"/>
+                <a:ea typeface="ＭＳ Ｐゴシック" charset="-128"/>
+              </a:defRPr>
+            </a:lvl8pPr>
+            <a:lvl9pPr marL="3657600" indent="0" algn="ctr" rtl="0" fontAlgn="base">
+              <a:spcBef>
+                <a:spcPct val="20000"/>
+              </a:spcBef>
+              <a:spcAft>
+                <a:spcPct val="0"/>
+              </a:spcAft>
+              <a:buNone/>
+              <a:defRPr sz="1200">
+                <a:solidFill>
+                  <a:schemeClr val="tx1"/>
+                </a:solidFill>
+                <a:latin typeface="Times New Roman" charset="0"/>
+                <a:ea typeface="ＭＳ Ｐゴシック" charset="-128"/>
+              </a:defRPr>
+            </a:lvl9pPr>
+          </a:lstStyle>
+          <a:p>
+            <a:pPr marL="176213" indent="-176213" algn="l" eaLnBrk="1" hangingPunct="1">
+              <a:spcBef>
+                <a:spcPts val="300"/>
+              </a:spcBef>
+              <a:buFont typeface="Arial" panose="020B0604020202020204" pitchFamily="34" charset="0"/>
+              <a:buChar char="•"/>
+            </a:pPr>
+            <a:r>
+              <a:rPr lang="da-DK" sz="1400" kern="0" dirty="0" smtClean="0">
+                <a:solidFill>
+                  <a:srgbClr val="0000FF"/>
+                </a:solidFill>
+              </a:rPr>
+              <a:t>Er lidt tricket </a:t>
+            </a:r>
+          </a:p>
+          <a:p>
+            <a:pPr marL="176213" indent="-176213" algn="l" eaLnBrk="1" hangingPunct="1">
+              <a:spcBef>
+                <a:spcPts val="300"/>
+              </a:spcBef>
+              <a:buFont typeface="Arial" panose="020B0604020202020204" pitchFamily="34" charset="0"/>
+              <a:buChar char="•"/>
+            </a:pPr>
+            <a:r>
+              <a:rPr lang="da-DK" sz="1400" kern="0" dirty="0">
+                <a:solidFill>
+                  <a:srgbClr val="0000FF"/>
+                </a:solidFill>
+              </a:rPr>
+              <a:t>S</a:t>
+            </a:r>
+            <a:r>
+              <a:rPr lang="da-DK" sz="1400" kern="0" dirty="0" smtClean="0">
+                <a:solidFill>
+                  <a:srgbClr val="0000FF"/>
+                </a:solidFill>
+              </a:rPr>
+              <a:t>e godt efter, hvad der står</a:t>
+            </a:r>
+            <a:endParaRPr lang="da-DK" altLang="da-DK" sz="1400" kern="0" dirty="0" smtClean="0">
+              <a:solidFill>
+                <a:srgbClr val="0000FF"/>
+              </a:solidFill>
+              <a:ea typeface="ＭＳ Ｐゴシック" pitchFamily="34" charset="-128"/>
+            </a:endParaRPr>
           </a:p>
         </p:txBody>
       </p:sp>
